--- a/source/wifiWebLedDimmer/wifiWebLedDimmerSystem.pptx
+++ b/source/wifiWebLedDimmer/wifiWebLedDimmerSystem.pptx
@@ -9,6 +9,7 @@
     <p:sldId id="259" r:id="rId3"/>
     <p:sldId id="258" r:id="rId4"/>
     <p:sldId id="260" r:id="rId5"/>
+    <p:sldId id="261" r:id="rId6"/>
   </p:sldIdLst>
   <p:sldSz cx="9144000" cy="6858000" type="screen4x3"/>
   <p:notesSz cx="6858000" cy="9144000"/>
@@ -292,7 +293,7 @@
             <a:fld id="{B0B03674-BF5E-4E27-80C3-DD37FA572B8B}" type="datetimeFigureOut">
               <a:rPr lang="ko-KR" altLang="en-US" smtClean="0"/>
               <a:pPr/>
-              <a:t>2018-05-14</a:t>
+              <a:t>2018-05-17</a:t>
             </a:fld>
             <a:endParaRPr lang="ko-KR" altLang="en-US"/>
           </a:p>
@@ -459,7 +460,7 @@
             <a:fld id="{B0B03674-BF5E-4E27-80C3-DD37FA572B8B}" type="datetimeFigureOut">
               <a:rPr lang="ko-KR" altLang="en-US" smtClean="0"/>
               <a:pPr/>
-              <a:t>2018-05-14</a:t>
+              <a:t>2018-05-17</a:t>
             </a:fld>
             <a:endParaRPr lang="ko-KR" altLang="en-US"/>
           </a:p>
@@ -636,7 +637,7 @@
             <a:fld id="{B0B03674-BF5E-4E27-80C3-DD37FA572B8B}" type="datetimeFigureOut">
               <a:rPr lang="ko-KR" altLang="en-US" smtClean="0"/>
               <a:pPr/>
-              <a:t>2018-05-14</a:t>
+              <a:t>2018-05-17</a:t>
             </a:fld>
             <a:endParaRPr lang="ko-KR" altLang="en-US"/>
           </a:p>
@@ -803,7 +804,7 @@
             <a:fld id="{B0B03674-BF5E-4E27-80C3-DD37FA572B8B}" type="datetimeFigureOut">
               <a:rPr lang="ko-KR" altLang="en-US" smtClean="0"/>
               <a:pPr/>
-              <a:t>2018-05-14</a:t>
+              <a:t>2018-05-17</a:t>
             </a:fld>
             <a:endParaRPr lang="ko-KR" altLang="en-US"/>
           </a:p>
@@ -1046,7 +1047,7 @@
             <a:fld id="{B0B03674-BF5E-4E27-80C3-DD37FA572B8B}" type="datetimeFigureOut">
               <a:rPr lang="ko-KR" altLang="en-US" smtClean="0"/>
               <a:pPr/>
-              <a:t>2018-05-14</a:t>
+              <a:t>2018-05-17</a:t>
             </a:fld>
             <a:endParaRPr lang="ko-KR" altLang="en-US"/>
           </a:p>
@@ -1331,7 +1332,7 @@
             <a:fld id="{B0B03674-BF5E-4E27-80C3-DD37FA572B8B}" type="datetimeFigureOut">
               <a:rPr lang="ko-KR" altLang="en-US" smtClean="0"/>
               <a:pPr/>
-              <a:t>2018-05-14</a:t>
+              <a:t>2018-05-17</a:t>
             </a:fld>
             <a:endParaRPr lang="ko-KR" altLang="en-US"/>
           </a:p>
@@ -1750,7 +1751,7 @@
             <a:fld id="{B0B03674-BF5E-4E27-80C3-DD37FA572B8B}" type="datetimeFigureOut">
               <a:rPr lang="ko-KR" altLang="en-US" smtClean="0"/>
               <a:pPr/>
-              <a:t>2018-05-14</a:t>
+              <a:t>2018-05-17</a:t>
             </a:fld>
             <a:endParaRPr lang="ko-KR" altLang="en-US"/>
           </a:p>
@@ -1865,7 +1866,7 @@
             <a:fld id="{B0B03674-BF5E-4E27-80C3-DD37FA572B8B}" type="datetimeFigureOut">
               <a:rPr lang="ko-KR" altLang="en-US" smtClean="0"/>
               <a:pPr/>
-              <a:t>2018-05-14</a:t>
+              <a:t>2018-05-17</a:t>
             </a:fld>
             <a:endParaRPr lang="ko-KR" altLang="en-US"/>
           </a:p>
@@ -1957,7 +1958,7 @@
             <a:fld id="{B0B03674-BF5E-4E27-80C3-DD37FA572B8B}" type="datetimeFigureOut">
               <a:rPr lang="ko-KR" altLang="en-US" smtClean="0"/>
               <a:pPr/>
-              <a:t>2018-05-14</a:t>
+              <a:t>2018-05-17</a:t>
             </a:fld>
             <a:endParaRPr lang="ko-KR" altLang="en-US"/>
           </a:p>
@@ -2231,7 +2232,7 @@
             <a:fld id="{B0B03674-BF5E-4E27-80C3-DD37FA572B8B}" type="datetimeFigureOut">
               <a:rPr lang="ko-KR" altLang="en-US" smtClean="0"/>
               <a:pPr/>
-              <a:t>2018-05-14</a:t>
+              <a:t>2018-05-17</a:t>
             </a:fld>
             <a:endParaRPr lang="ko-KR" altLang="en-US"/>
           </a:p>
@@ -2481,7 +2482,7 @@
             <a:fld id="{B0B03674-BF5E-4E27-80C3-DD37FA572B8B}" type="datetimeFigureOut">
               <a:rPr lang="ko-KR" altLang="en-US" smtClean="0"/>
               <a:pPr/>
-              <a:t>2018-05-14</a:t>
+              <a:t>2018-05-17</a:t>
             </a:fld>
             <a:endParaRPr lang="ko-KR" altLang="en-US"/>
           </a:p>
@@ -2691,7 +2692,7 @@
             <a:fld id="{B0B03674-BF5E-4E27-80C3-DD37FA572B8B}" type="datetimeFigureOut">
               <a:rPr lang="ko-KR" altLang="en-US" smtClean="0"/>
               <a:pPr/>
-              <a:t>2018-05-14</a:t>
+              <a:t>2018-05-17</a:t>
             </a:fld>
             <a:endParaRPr lang="ko-KR" altLang="en-US"/>
           </a:p>
@@ -3378,8 +3379,8 @@
           <a:p>
             <a:pPr algn="ctr"/>
             <a:r>
-              <a:rPr lang="ko-KR" altLang="en-US" dirty="0" err="1" smtClean="0"/>
-              <a:t>현관등</a:t>
+              <a:rPr lang="ko-KR" altLang="en-US" dirty="0" smtClean="0"/>
+              <a:t>현관</a:t>
             </a:r>
             <a:endParaRPr lang="ko-KR" altLang="en-US" dirty="0"/>
           </a:p>
@@ -3434,7 +3435,7 @@
         <p:spPr>
           <a:xfrm>
             <a:off x="6300192" y="2276872"/>
-            <a:ext cx="936104" cy="369332"/>
+            <a:ext cx="936104" cy="646331"/>
           </a:xfrm>
           <a:prstGeom prst="rect">
             <a:avLst/>
@@ -3450,6 +3451,12 @@
             <a:r>
               <a:rPr lang="en-US" altLang="ko-KR" dirty="0" smtClean="0"/>
               <a:t>Rf24</a:t>
+            </a:r>
+          </a:p>
+          <a:p>
+            <a:r>
+              <a:rPr lang="en-US" altLang="ko-KR" dirty="0" err="1" smtClean="0"/>
+              <a:t>uttec</a:t>
             </a:r>
             <a:endParaRPr lang="ko-KR" altLang="en-US" dirty="0"/>
           </a:p>
@@ -3709,7 +3716,7 @@
         <p:spPr>
           <a:xfrm>
             <a:off x="6300192" y="4941168"/>
-            <a:ext cx="936104" cy="369332"/>
+            <a:ext cx="936104" cy="646331"/>
           </a:xfrm>
           <a:prstGeom prst="rect">
             <a:avLst/>
@@ -3725,6 +3732,12 @@
             <a:r>
               <a:rPr lang="en-US" altLang="ko-KR" dirty="0" smtClean="0"/>
               <a:t>Rf24</a:t>
+            </a:r>
+          </a:p>
+          <a:p>
+            <a:r>
+              <a:rPr lang="en-US" altLang="ko-KR" dirty="0" err="1" smtClean="0"/>
+              <a:t>uttec</a:t>
             </a:r>
             <a:endParaRPr lang="ko-KR" altLang="en-US" dirty="0"/>
           </a:p>
@@ -3823,7 +3836,7 @@
         <p:spPr>
           <a:xfrm>
             <a:off x="6516216" y="3933056"/>
-            <a:ext cx="936104" cy="369332"/>
+            <a:ext cx="936104" cy="646331"/>
           </a:xfrm>
           <a:prstGeom prst="rect">
             <a:avLst/>
@@ -3839,6 +3852,12 @@
             <a:r>
               <a:rPr lang="en-US" altLang="ko-KR" dirty="0" smtClean="0"/>
               <a:t>Rf24</a:t>
+            </a:r>
+          </a:p>
+          <a:p>
+            <a:r>
+              <a:rPr lang="en-US" altLang="ko-KR" dirty="0" err="1" smtClean="0"/>
+              <a:t>uttec</a:t>
             </a:r>
             <a:endParaRPr lang="ko-KR" altLang="en-US" dirty="0"/>
           </a:p>
@@ -4149,7 +4168,7 @@
           <a:p>
             <a:r>
               <a:rPr lang="en-US" altLang="ko-KR" dirty="0" smtClean="0"/>
-              <a:t>Gateway</a:t>
+              <a:t>AP</a:t>
             </a:r>
             <a:r>
               <a:rPr lang="ko-KR" altLang="en-US" dirty="0" smtClean="0"/>
@@ -4169,10 +4188,274 @@
               <a:rPr lang="en-US" altLang="ko-KR" dirty="0" smtClean="0"/>
               <a:t>:?</a:t>
             </a:r>
-            <a:endParaRPr lang="en-US" altLang="ko-KR" smtClean="0"/>
-          </a:p>
-          <a:p>
-            <a:endParaRPr lang="ko-KR" altLang="en-US"/>
+          </a:p>
+          <a:p>
+            <a:endParaRPr lang="ko-KR" altLang="en-US" dirty="0"/>
+          </a:p>
+        </p:txBody>
+      </p:sp>
+    </p:spTree>
+  </p:cSld>
+  <p:clrMapOvr>
+    <a:masterClrMapping/>
+  </p:clrMapOvr>
+</p:sld>
+</file>
+
+<file path=ppt/slides/slide5.xml><?xml version="1.0" encoding="utf-8"?>
+<p:sld xmlns:a="http://schemas.openxmlformats.org/drawingml/2006/main" xmlns:r="http://schemas.openxmlformats.org/officeDocument/2006/relationships" xmlns:p="http://schemas.openxmlformats.org/presentationml/2006/main">
+  <p:cSld>
+    <p:spTree>
+      <p:nvGrpSpPr>
+        <p:cNvPr id="1" name=""/>
+        <p:cNvGrpSpPr/>
+        <p:nvPr/>
+      </p:nvGrpSpPr>
+      <p:grpSpPr>
+        <a:xfrm>
+          <a:off x="0" y="0"/>
+          <a:ext cx="0" cy="0"/>
+          <a:chOff x="0" y="0"/>
+          <a:chExt cx="0" cy="0"/>
+        </a:xfrm>
+      </p:grpSpPr>
+      <p:sp>
+        <p:nvSpPr>
+          <p:cNvPr id="2" name="제목 1"/>
+          <p:cNvSpPr>
+            <a:spLocks noGrp="1"/>
+          </p:cNvSpPr>
+          <p:nvPr>
+            <p:ph type="title"/>
+          </p:nvPr>
+        </p:nvSpPr>
+        <p:spPr/>
+        <p:txBody>
+          <a:bodyPr/>
+          <a:lstStyle/>
+          <a:p>
+            <a:r>
+              <a:rPr lang="ko-KR" altLang="en-US" dirty="0" smtClean="0"/>
+              <a:t>작업순</a:t>
+            </a:r>
+            <a:r>
+              <a:rPr lang="ko-KR" altLang="en-US" dirty="0" smtClean="0"/>
+              <a:t>서</a:t>
+            </a:r>
+            <a:endParaRPr lang="ko-KR" altLang="en-US" dirty="0"/>
+          </a:p>
+        </p:txBody>
+      </p:sp>
+      <p:sp>
+        <p:nvSpPr>
+          <p:cNvPr id="3" name="내용 개체 틀 2"/>
+          <p:cNvSpPr>
+            <a:spLocks noGrp="1"/>
+          </p:cNvSpPr>
+          <p:nvPr>
+            <p:ph idx="1"/>
+          </p:nvPr>
+        </p:nvSpPr>
+        <p:spPr/>
+        <p:txBody>
+          <a:bodyPr>
+            <a:normAutofit lnSpcReduction="10000"/>
+          </a:bodyPr>
+          <a:lstStyle/>
+          <a:p>
+            <a:r>
+              <a:rPr lang="en-US" altLang="ko-KR" dirty="0" smtClean="0"/>
+              <a:t>Demo</a:t>
+            </a:r>
+            <a:r>
+              <a:rPr lang="ko-KR" altLang="en-US" dirty="0" smtClean="0"/>
+              <a:t>용 </a:t>
+            </a:r>
+            <a:r>
+              <a:rPr lang="en-US" altLang="ko-KR" dirty="0" smtClean="0"/>
+              <a:t>Sample</a:t>
+            </a:r>
+            <a:r>
+              <a:rPr lang="ko-KR" altLang="en-US" dirty="0" smtClean="0"/>
+              <a:t>제작</a:t>
+            </a:r>
+            <a:endParaRPr lang="en-US" altLang="ko-KR" dirty="0" smtClean="0"/>
+          </a:p>
+          <a:p>
+            <a:pPr lvl="1"/>
+            <a:r>
+              <a:rPr lang="ko-KR" altLang="en-US" dirty="0" smtClean="0"/>
+              <a:t>현재 </a:t>
+            </a:r>
+            <a:r>
+              <a:rPr lang="en-US" altLang="ko-KR" dirty="0" smtClean="0"/>
+              <a:t>Setting</a:t>
+            </a:r>
+            <a:r>
+              <a:rPr lang="ko-KR" altLang="en-US" dirty="0" smtClean="0"/>
+              <a:t>방법 </a:t>
+            </a:r>
+            <a:endParaRPr lang="en-US" altLang="ko-KR" dirty="0" smtClean="0"/>
+          </a:p>
+          <a:p>
+            <a:pPr lvl="1"/>
+            <a:r>
+              <a:rPr lang="en-US" altLang="ko-KR" dirty="0" smtClean="0"/>
+              <a:t>4</a:t>
+            </a:r>
+            <a:r>
+              <a:rPr lang="ko-KR" altLang="en-US" dirty="0" smtClean="0"/>
+              <a:t>대 구동</a:t>
+            </a:r>
+            <a:r>
+              <a:rPr lang="en-US" altLang="ko-KR" dirty="0" smtClean="0"/>
+              <a:t>(</a:t>
+            </a:r>
+            <a:r>
+              <a:rPr lang="en-US" altLang="ko-KR" dirty="0" err="1" smtClean="0"/>
+              <a:t>Ap</a:t>
+            </a:r>
+            <a:r>
+              <a:rPr lang="en-US" altLang="ko-KR" dirty="0" smtClean="0"/>
+              <a:t>: </a:t>
+            </a:r>
+            <a:r>
+              <a:rPr lang="ko-KR" altLang="en-US" dirty="0" smtClean="0"/>
+              <a:t>거실</a:t>
+            </a:r>
+            <a:r>
+              <a:rPr lang="en-US" altLang="ko-KR" dirty="0" smtClean="0"/>
+              <a:t>, 1: </a:t>
+            </a:r>
+            <a:r>
+              <a:rPr lang="ko-KR" altLang="en-US" dirty="0" smtClean="0"/>
+              <a:t>안방</a:t>
+            </a:r>
+            <a:r>
+              <a:rPr lang="en-US" altLang="ko-KR" dirty="0" smtClean="0"/>
+              <a:t>, 2: </a:t>
+            </a:r>
+            <a:r>
+              <a:rPr lang="ko-KR" altLang="en-US" dirty="0" smtClean="0"/>
+              <a:t>공부방</a:t>
+            </a:r>
+            <a:r>
+              <a:rPr lang="en-US" altLang="ko-KR" dirty="0" smtClean="0"/>
+              <a:t>, 3: </a:t>
+            </a:r>
+            <a:r>
+              <a:rPr lang="ko-KR" altLang="en-US" dirty="0" smtClean="0"/>
+              <a:t>현관</a:t>
+            </a:r>
+            <a:r>
+              <a:rPr lang="en-US" altLang="ko-KR" dirty="0" smtClean="0"/>
+              <a:t>) </a:t>
+            </a:r>
+          </a:p>
+          <a:p>
+            <a:pPr lvl="1"/>
+            <a:r>
+              <a:rPr lang="ko-KR" altLang="en-US" dirty="0" smtClean="0"/>
+              <a:t>동일 </a:t>
+            </a:r>
+            <a:r>
+              <a:rPr lang="en-US" altLang="ko-KR" dirty="0" smtClean="0"/>
+              <a:t>Group(</a:t>
+            </a:r>
+            <a:r>
+              <a:rPr lang="en-US" altLang="ko-KR" dirty="0" err="1" smtClean="0"/>
+              <a:t>Ip</a:t>
+            </a:r>
+            <a:r>
+              <a:rPr lang="en-US" altLang="ko-KR" dirty="0" smtClean="0"/>
+              <a:t> </a:t>
+            </a:r>
+            <a:r>
+              <a:rPr lang="en-US" altLang="ko-KR" dirty="0" err="1" smtClean="0"/>
+              <a:t>Lsb</a:t>
+            </a:r>
+            <a:r>
+              <a:rPr lang="en-US" altLang="ko-KR" dirty="0" smtClean="0"/>
+              <a:t> byte)</a:t>
+            </a:r>
+          </a:p>
+          <a:p>
+            <a:pPr lvl="1"/>
+            <a:r>
+              <a:rPr lang="ko-KR" altLang="en-US" dirty="0" smtClean="0"/>
+              <a:t>판촉용 제작 수량</a:t>
+            </a:r>
+            <a:r>
+              <a:rPr lang="en-US" altLang="ko-KR" dirty="0" smtClean="0"/>
+              <a:t>: 3</a:t>
+            </a:r>
+            <a:r>
+              <a:rPr lang="ko-KR" altLang="en-US" dirty="0" smtClean="0"/>
+              <a:t>조</a:t>
+            </a:r>
+            <a:endParaRPr lang="en-US" altLang="ko-KR" dirty="0" smtClean="0"/>
+          </a:p>
+          <a:p>
+            <a:r>
+              <a:rPr lang="ko-KR" altLang="en-US" dirty="0" smtClean="0"/>
+              <a:t>양산용 </a:t>
+            </a:r>
+            <a:r>
+              <a:rPr lang="en-US" altLang="ko-KR" dirty="0" smtClean="0"/>
+              <a:t>Spec </a:t>
+            </a:r>
+            <a:r>
+              <a:rPr lang="ko-KR" altLang="en-US" dirty="0" smtClean="0"/>
+              <a:t>결정</a:t>
+            </a:r>
+            <a:endParaRPr lang="en-US" altLang="ko-KR" dirty="0" smtClean="0"/>
+          </a:p>
+          <a:p>
+            <a:pPr lvl="1"/>
+            <a:r>
+              <a:rPr lang="en-US" altLang="ko-KR" dirty="0" smtClean="0"/>
+              <a:t>Setting</a:t>
+            </a:r>
+            <a:r>
+              <a:rPr lang="ko-KR" altLang="en-US" dirty="0" smtClean="0"/>
+              <a:t>방법</a:t>
+            </a:r>
+            <a:r>
+              <a:rPr lang="en-US" altLang="ko-KR" dirty="0" smtClean="0"/>
+              <a:t>: Mac Address</a:t>
+            </a:r>
+            <a:r>
+              <a:rPr lang="ko-KR" altLang="en-US" dirty="0" smtClean="0"/>
+              <a:t>사용</a:t>
+            </a:r>
+            <a:endParaRPr lang="en-US" altLang="ko-KR" dirty="0" smtClean="0"/>
+          </a:p>
+          <a:p>
+            <a:pPr lvl="1"/>
+            <a:r>
+              <a:rPr lang="en-US" altLang="ko-KR" dirty="0" err="1" smtClean="0"/>
+              <a:t>Ssid</a:t>
+            </a:r>
+            <a:r>
+              <a:rPr lang="en-US" altLang="ko-KR" dirty="0" smtClean="0"/>
+              <a:t>, Pw</a:t>
+            </a:r>
+            <a:r>
+              <a:rPr lang="ko-KR" altLang="en-US" dirty="0" smtClean="0"/>
+              <a:t>변경방법</a:t>
+            </a:r>
+            <a:endParaRPr lang="en-US" altLang="ko-KR" dirty="0" smtClean="0"/>
+          </a:p>
+          <a:p>
+            <a:pPr lvl="1"/>
+            <a:r>
+              <a:rPr lang="ko-KR" altLang="en-US" dirty="0" smtClean="0"/>
+              <a:t>등 추가 및 변경사항 발생시 조치 방법</a:t>
+            </a:r>
+            <a:endParaRPr lang="en-US" altLang="ko-KR" dirty="0" smtClean="0"/>
+          </a:p>
+          <a:p>
+            <a:endParaRPr lang="ko-KR" altLang="en-US" dirty="0"/>
           </a:p>
         </p:txBody>
       </p:sp>
